--- a/src/AutoAlert/Documentation/9.pptx
+++ b/src/AutoAlert/Documentation/9.pptx
@@ -109,6 +109,11 @@
       </a:defRPr>
     </a:lvl9pPr>
   </p:defaultTextStyle>
+  <p:extLst>
+    <p:ext uri="{EFAFB233-063F-42B5-8137-9DF3F51BA10A}">
+      <p15:sldGuideLst xmlns:p15="http://schemas.microsoft.com/office/powerpoint/2012/main"/>
+    </p:ext>
+  </p:extLst>
 </p:presentation>
 </file>
 
@@ -342,7 +347,7 @@
             <a:fld id="{B61BEF0D-F0BB-DE4B-95CE-6DB70DBA9567}" type="datetimeFigureOut">
               <a:rPr lang="en-US" dirty="0"/>
               <a:pPr/>
-              <a:t>1/15/2024</a:t>
+              <a:t>2/19/2024</a:t>
             </a:fld>
             <a:endParaRPr lang="en-US" dirty="0"/>
           </a:p>
@@ -673,7 +678,7 @@
             <a:fld id="{B61BEF0D-F0BB-DE4B-95CE-6DB70DBA9567}" type="datetimeFigureOut">
               <a:rPr lang="en-US" dirty="0"/>
               <a:pPr/>
-              <a:t>1/15/2024</a:t>
+              <a:t>2/19/2024</a:t>
             </a:fld>
             <a:endParaRPr lang="en-US" dirty="0"/>
           </a:p>
@@ -948,7 +953,7 @@
             <a:fld id="{B61BEF0D-F0BB-DE4B-95CE-6DB70DBA9567}" type="datetimeFigureOut">
               <a:rPr lang="en-US" dirty="0"/>
               <a:pPr/>
-              <a:t>1/15/2024</a:t>
+              <a:t>2/19/2024</a:t>
             </a:fld>
             <a:endParaRPr lang="en-US" dirty="0"/>
           </a:p>
@@ -1513,7 +1518,7 @@
             <a:fld id="{B61BEF0D-F0BB-DE4B-95CE-6DB70DBA9567}" type="datetimeFigureOut">
               <a:rPr lang="en-US" dirty="0"/>
               <a:pPr/>
-              <a:t>1/15/2024</a:t>
+              <a:t>2/19/2024</a:t>
             </a:fld>
             <a:endParaRPr lang="en-US" dirty="0"/>
           </a:p>
@@ -1788,7 +1793,7 @@
             <a:fld id="{B61BEF0D-F0BB-DE4B-95CE-6DB70DBA9567}" type="datetimeFigureOut">
               <a:rPr lang="en-US" dirty="0"/>
               <a:pPr/>
-              <a:t>1/15/2024</a:t>
+              <a:t>2/19/2024</a:t>
             </a:fld>
             <a:endParaRPr lang="en-US" dirty="0"/>
           </a:p>
@@ -2347,7 +2352,7 @@
             <a:fld id="{B61BEF0D-F0BB-DE4B-95CE-6DB70DBA9567}" type="datetimeFigureOut">
               <a:rPr lang="en-US" dirty="0"/>
               <a:pPr/>
-              <a:t>1/15/2024</a:t>
+              <a:t>2/19/2024</a:t>
             </a:fld>
             <a:endParaRPr lang="en-US" dirty="0"/>
           </a:p>
@@ -2671,7 +2676,7 @@
             <a:fld id="{B61BEF0D-F0BB-DE4B-95CE-6DB70DBA9567}" type="datetimeFigureOut">
               <a:rPr lang="en-US" dirty="0"/>
               <a:pPr/>
-              <a:t>1/15/2024</a:t>
+              <a:t>2/19/2024</a:t>
             </a:fld>
             <a:endParaRPr lang="en-US" dirty="0"/>
           </a:p>
@@ -2873,7 +2878,7 @@
             <a:fld id="{B61BEF0D-F0BB-DE4B-95CE-6DB70DBA9567}" type="datetimeFigureOut">
               <a:rPr lang="en-US" dirty="0"/>
               <a:pPr/>
-              <a:t>1/15/2024</a:t>
+              <a:t>2/19/2024</a:t>
             </a:fld>
             <a:endParaRPr lang="en-US" dirty="0"/>
           </a:p>
@@ -3080,7 +3085,7 @@
             <a:fld id="{B61BEF0D-F0BB-DE4B-95CE-6DB70DBA9567}" type="datetimeFigureOut">
               <a:rPr lang="en-US" dirty="0"/>
               <a:pPr/>
-              <a:t>1/15/2024</a:t>
+              <a:t>2/19/2024</a:t>
             </a:fld>
             <a:endParaRPr lang="en-US" dirty="0"/>
           </a:p>
@@ -3277,7 +3282,7 @@
             <a:fld id="{B61BEF0D-F0BB-DE4B-95CE-6DB70DBA9567}" type="datetimeFigureOut">
               <a:rPr lang="en-US" dirty="0"/>
               <a:pPr/>
-              <a:t>1/15/2024</a:t>
+              <a:t>2/19/2024</a:t>
             </a:fld>
             <a:endParaRPr lang="en-US" dirty="0"/>
           </a:p>
@@ -3550,7 +3555,7 @@
             <a:fld id="{B61BEF0D-F0BB-DE4B-95CE-6DB70DBA9567}" type="datetimeFigureOut">
               <a:rPr lang="en-US" dirty="0"/>
               <a:pPr/>
-              <a:t>1/15/2024</a:t>
+              <a:t>2/19/2024</a:t>
             </a:fld>
             <a:endParaRPr lang="en-US" dirty="0"/>
           </a:p>
@@ -3813,7 +3818,7 @@
             <a:fld id="{B61BEF0D-F0BB-DE4B-95CE-6DB70DBA9567}" type="datetimeFigureOut">
               <a:rPr lang="en-US" dirty="0"/>
               <a:pPr/>
-              <a:t>1/15/2024</a:t>
+              <a:t>2/19/2024</a:t>
             </a:fld>
             <a:endParaRPr lang="en-US" dirty="0"/>
           </a:p>
@@ -4184,7 +4189,7 @@
             <a:fld id="{B61BEF0D-F0BB-DE4B-95CE-6DB70DBA9567}" type="datetimeFigureOut">
               <a:rPr lang="en-US" dirty="0"/>
               <a:pPr/>
-              <a:t>1/15/2024</a:t>
+              <a:t>2/19/2024</a:t>
             </a:fld>
             <a:endParaRPr lang="en-US" dirty="0"/>
           </a:p>
@@ -4329,7 +4334,7 @@
             <a:fld id="{B61BEF0D-F0BB-DE4B-95CE-6DB70DBA9567}" type="datetimeFigureOut">
               <a:rPr lang="en-US" dirty="0"/>
               <a:pPr/>
-              <a:t>1/15/2024</a:t>
+              <a:t>2/19/2024</a:t>
             </a:fld>
             <a:endParaRPr lang="en-US" dirty="0"/>
           </a:p>
@@ -4451,7 +4456,7 @@
             <a:fld id="{B61BEF0D-F0BB-DE4B-95CE-6DB70DBA9567}" type="datetimeFigureOut">
               <a:rPr lang="en-US" dirty="0"/>
               <a:pPr/>
-              <a:t>1/15/2024</a:t>
+              <a:t>2/19/2024</a:t>
             </a:fld>
             <a:endParaRPr lang="en-US" dirty="0"/>
           </a:p>
@@ -4733,7 +4738,7 @@
             <a:fld id="{B61BEF0D-F0BB-DE4B-95CE-6DB70DBA9567}" type="datetimeFigureOut">
               <a:rPr lang="en-US" dirty="0"/>
               <a:pPr/>
-              <a:t>1/15/2024</a:t>
+              <a:t>2/19/2024</a:t>
             </a:fld>
             <a:endParaRPr lang="en-US" dirty="0"/>
           </a:p>
@@ -5054,7 +5059,7 @@
             <a:fld id="{B61BEF0D-F0BB-DE4B-95CE-6DB70DBA9567}" type="datetimeFigureOut">
               <a:rPr lang="en-US" dirty="0"/>
               <a:pPr/>
-              <a:t>1/15/2024</a:t>
+              <a:t>2/19/2024</a:t>
             </a:fld>
             <a:endParaRPr lang="en-US" dirty="0"/>
           </a:p>
@@ -5265,7 +5270,7 @@
             <a:fld id="{B61BEF0D-F0BB-DE4B-95CE-6DB70DBA9567}" type="datetimeFigureOut">
               <a:rPr lang="en-US" dirty="0"/>
               <a:pPr/>
-              <a:t>1/15/2024</a:t>
+              <a:t>2/19/2024</a:t>
             </a:fld>
             <a:endParaRPr lang="en-US" dirty="0"/>
           </a:p>
@@ -5969,12 +5974,6 @@
             </a:r>
           </a:p>
           <a:p>
-            <a:r>
-              <a:rPr lang="bg-BG" sz="2000" dirty="0"/>
-              <a:t>Проектът е предназначен за притежатели на автомобили и техните жени.</a:t>
-            </a:r>
-          </a:p>
-          <a:p>
             <a:endParaRPr lang="bg-BG" dirty="0"/>
           </a:p>
         </p:txBody>

--- a/src/AutoAlert/Documentation/9.pptx
+++ b/src/AutoAlert/Documentation/9.pptx
@@ -347,7 +347,7 @@
             <a:fld id="{B61BEF0D-F0BB-DE4B-95CE-6DB70DBA9567}" type="datetimeFigureOut">
               <a:rPr lang="en-US" dirty="0"/>
               <a:pPr/>
-              <a:t>2/19/2024</a:t>
+              <a:t>2/29/2024</a:t>
             </a:fld>
             <a:endParaRPr lang="en-US" dirty="0"/>
           </a:p>
@@ -678,7 +678,7 @@
             <a:fld id="{B61BEF0D-F0BB-DE4B-95CE-6DB70DBA9567}" type="datetimeFigureOut">
               <a:rPr lang="en-US" dirty="0"/>
               <a:pPr/>
-              <a:t>2/19/2024</a:t>
+              <a:t>2/29/2024</a:t>
             </a:fld>
             <a:endParaRPr lang="en-US" dirty="0"/>
           </a:p>
@@ -953,7 +953,7 @@
             <a:fld id="{B61BEF0D-F0BB-DE4B-95CE-6DB70DBA9567}" type="datetimeFigureOut">
               <a:rPr lang="en-US" dirty="0"/>
               <a:pPr/>
-              <a:t>2/19/2024</a:t>
+              <a:t>2/29/2024</a:t>
             </a:fld>
             <a:endParaRPr lang="en-US" dirty="0"/>
           </a:p>
@@ -1518,7 +1518,7 @@
             <a:fld id="{B61BEF0D-F0BB-DE4B-95CE-6DB70DBA9567}" type="datetimeFigureOut">
               <a:rPr lang="en-US" dirty="0"/>
               <a:pPr/>
-              <a:t>2/19/2024</a:t>
+              <a:t>2/29/2024</a:t>
             </a:fld>
             <a:endParaRPr lang="en-US" dirty="0"/>
           </a:p>
@@ -1793,7 +1793,7 @@
             <a:fld id="{B61BEF0D-F0BB-DE4B-95CE-6DB70DBA9567}" type="datetimeFigureOut">
               <a:rPr lang="en-US" dirty="0"/>
               <a:pPr/>
-              <a:t>2/19/2024</a:t>
+              <a:t>2/29/2024</a:t>
             </a:fld>
             <a:endParaRPr lang="en-US" dirty="0"/>
           </a:p>
@@ -2352,7 +2352,7 @@
             <a:fld id="{B61BEF0D-F0BB-DE4B-95CE-6DB70DBA9567}" type="datetimeFigureOut">
               <a:rPr lang="en-US" dirty="0"/>
               <a:pPr/>
-              <a:t>2/19/2024</a:t>
+              <a:t>2/29/2024</a:t>
             </a:fld>
             <a:endParaRPr lang="en-US" dirty="0"/>
           </a:p>
@@ -2676,7 +2676,7 @@
             <a:fld id="{B61BEF0D-F0BB-DE4B-95CE-6DB70DBA9567}" type="datetimeFigureOut">
               <a:rPr lang="en-US" dirty="0"/>
               <a:pPr/>
-              <a:t>2/19/2024</a:t>
+              <a:t>2/29/2024</a:t>
             </a:fld>
             <a:endParaRPr lang="en-US" dirty="0"/>
           </a:p>
@@ -2878,7 +2878,7 @@
             <a:fld id="{B61BEF0D-F0BB-DE4B-95CE-6DB70DBA9567}" type="datetimeFigureOut">
               <a:rPr lang="en-US" dirty="0"/>
               <a:pPr/>
-              <a:t>2/19/2024</a:t>
+              <a:t>2/29/2024</a:t>
             </a:fld>
             <a:endParaRPr lang="en-US" dirty="0"/>
           </a:p>
@@ -3085,7 +3085,7 @@
             <a:fld id="{B61BEF0D-F0BB-DE4B-95CE-6DB70DBA9567}" type="datetimeFigureOut">
               <a:rPr lang="en-US" dirty="0"/>
               <a:pPr/>
-              <a:t>2/19/2024</a:t>
+              <a:t>2/29/2024</a:t>
             </a:fld>
             <a:endParaRPr lang="en-US" dirty="0"/>
           </a:p>
@@ -3282,7 +3282,7 @@
             <a:fld id="{B61BEF0D-F0BB-DE4B-95CE-6DB70DBA9567}" type="datetimeFigureOut">
               <a:rPr lang="en-US" dirty="0"/>
               <a:pPr/>
-              <a:t>2/19/2024</a:t>
+              <a:t>2/29/2024</a:t>
             </a:fld>
             <a:endParaRPr lang="en-US" dirty="0"/>
           </a:p>
@@ -3555,7 +3555,7 @@
             <a:fld id="{B61BEF0D-F0BB-DE4B-95CE-6DB70DBA9567}" type="datetimeFigureOut">
               <a:rPr lang="en-US" dirty="0"/>
               <a:pPr/>
-              <a:t>2/19/2024</a:t>
+              <a:t>2/29/2024</a:t>
             </a:fld>
             <a:endParaRPr lang="en-US" dirty="0"/>
           </a:p>
@@ -3818,7 +3818,7 @@
             <a:fld id="{B61BEF0D-F0BB-DE4B-95CE-6DB70DBA9567}" type="datetimeFigureOut">
               <a:rPr lang="en-US" dirty="0"/>
               <a:pPr/>
-              <a:t>2/19/2024</a:t>
+              <a:t>2/29/2024</a:t>
             </a:fld>
             <a:endParaRPr lang="en-US" dirty="0"/>
           </a:p>
@@ -4189,7 +4189,7 @@
             <a:fld id="{B61BEF0D-F0BB-DE4B-95CE-6DB70DBA9567}" type="datetimeFigureOut">
               <a:rPr lang="en-US" dirty="0"/>
               <a:pPr/>
-              <a:t>2/19/2024</a:t>
+              <a:t>2/29/2024</a:t>
             </a:fld>
             <a:endParaRPr lang="en-US" dirty="0"/>
           </a:p>
@@ -4334,7 +4334,7 @@
             <a:fld id="{B61BEF0D-F0BB-DE4B-95CE-6DB70DBA9567}" type="datetimeFigureOut">
               <a:rPr lang="en-US" dirty="0"/>
               <a:pPr/>
-              <a:t>2/19/2024</a:t>
+              <a:t>2/29/2024</a:t>
             </a:fld>
             <a:endParaRPr lang="en-US" dirty="0"/>
           </a:p>
@@ -4456,7 +4456,7 @@
             <a:fld id="{B61BEF0D-F0BB-DE4B-95CE-6DB70DBA9567}" type="datetimeFigureOut">
               <a:rPr lang="en-US" dirty="0"/>
               <a:pPr/>
-              <a:t>2/19/2024</a:t>
+              <a:t>2/29/2024</a:t>
             </a:fld>
             <a:endParaRPr lang="en-US" dirty="0"/>
           </a:p>
@@ -4738,7 +4738,7 @@
             <a:fld id="{B61BEF0D-F0BB-DE4B-95CE-6DB70DBA9567}" type="datetimeFigureOut">
               <a:rPr lang="en-US" dirty="0"/>
               <a:pPr/>
-              <a:t>2/19/2024</a:t>
+              <a:t>2/29/2024</a:t>
             </a:fld>
             <a:endParaRPr lang="en-US" dirty="0"/>
           </a:p>
@@ -5059,7 +5059,7 @@
             <a:fld id="{B61BEF0D-F0BB-DE4B-95CE-6DB70DBA9567}" type="datetimeFigureOut">
               <a:rPr lang="en-US" dirty="0"/>
               <a:pPr/>
-              <a:t>2/19/2024</a:t>
+              <a:t>2/29/2024</a:t>
             </a:fld>
             <a:endParaRPr lang="en-US" dirty="0"/>
           </a:p>
@@ -5270,7 +5270,7 @@
             <a:fld id="{B61BEF0D-F0BB-DE4B-95CE-6DB70DBA9567}" type="datetimeFigureOut">
               <a:rPr lang="en-US" dirty="0"/>
               <a:pPr/>
-              <a:t>2/19/2024</a:t>
+              <a:t>2/29/2024</a:t>
             </a:fld>
             <a:endParaRPr lang="en-US" dirty="0"/>
           </a:p>
@@ -6165,7 +6165,15 @@
           <a:p>
             <a:r>
               <a:rPr lang="bg-BG" sz="2000" dirty="0"/>
-              <a:t>Неговата функционалност цели елиминирането на информация която трябва да помним, като изпраща редовни, предварително определени съобщения на потребителя.</a:t>
+              <a:t>Неговата функционалност цели елиминирането на информация</a:t>
+            </a:r>
+            <a:r>
+              <a:rPr lang="en-US" sz="2000" dirty="0"/>
+              <a:t>,</a:t>
+            </a:r>
+            <a:r>
+              <a:rPr lang="bg-BG" sz="2000" dirty="0"/>
+              <a:t> която трябва да помним, като изпраща редовни, предварително определени съобщения на потребителя.</a:t>
             </a:r>
           </a:p>
           <a:p>
@@ -6279,7 +6287,7 @@
         <p:spPr/>
         <p:txBody>
           <a:bodyPr anchor="t">
-            <a:normAutofit lnSpcReduction="10000"/>
+            <a:normAutofit fontScale="92500" lnSpcReduction="20000"/>
           </a:bodyPr>
           <a:lstStyle/>
           <a:p>
@@ -6334,6 +6342,12 @@
             <a:r>
               <a:rPr lang="en-US" dirty="0"/>
               <a:t>Angular 17</a:t>
+            </a:r>
+          </a:p>
+          <a:p>
+            <a:r>
+              <a:rPr lang="en-US" dirty="0"/>
+              <a:t>Quatrz.Net</a:t>
             </a:r>
           </a:p>
           <a:p>
@@ -6582,6 +6596,53 @@
           <a:prstGeom prst="rect">
             <a:avLst/>
           </a:prstGeom>
+        </p:spPr>
+      </p:pic>
+      <p:pic>
+        <p:nvPicPr>
+          <p:cNvPr id="1026" name="Picture 2" descr="Quartz Enterprise Scheduler .NET · GitHub">
+            <a:extLst>
+              <a:ext uri="{FF2B5EF4-FFF2-40B4-BE49-F238E27FC236}">
+                <a16:creationId xmlns:a16="http://schemas.microsoft.com/office/drawing/2014/main" id="{BA0BA551-7203-9A8E-1E85-1B67E6BFB385}"/>
+              </a:ext>
+            </a:extLst>
+          </p:cNvPr>
+          <p:cNvPicPr>
+            <a:picLocks noChangeAspect="1" noChangeArrowheads="1"/>
+          </p:cNvPicPr>
+          <p:nvPr/>
+        </p:nvPicPr>
+        <p:blipFill>
+          <a:blip r:embed="rId10">
+            <a:extLst>
+              <a:ext uri="{28A0092B-C50C-407E-A947-70E740481C1C}">
+                <a14:useLocalDpi xmlns:a14="http://schemas.microsoft.com/office/drawing/2010/main" val="0"/>
+              </a:ext>
+            </a:extLst>
+          </a:blip>
+          <a:srcRect/>
+          <a:stretch>
+            <a:fillRect/>
+          </a:stretch>
+        </p:blipFill>
+        <p:spPr bwMode="auto">
+          <a:xfrm>
+            <a:off x="2996925" y="1574572"/>
+            <a:ext cx="1838525" cy="1838525"/>
+          </a:xfrm>
+          <a:prstGeom prst="rect">
+            <a:avLst/>
+          </a:prstGeom>
+          <a:noFill/>
+          <a:extLst>
+            <a:ext uri="{909E8E84-426E-40DD-AFC4-6F175D3DCCD1}">
+              <a14:hiddenFill xmlns:a14="http://schemas.microsoft.com/office/drawing/2010/main">
+                <a:solidFill>
+                  <a:srgbClr val="FFFFFF"/>
+                </a:solidFill>
+              </a14:hiddenFill>
+            </a:ext>
+          </a:extLst>
         </p:spPr>
       </p:pic>
     </p:spTree>
